--- a/שונות/liel/וייז בקניון.pptx
+++ b/שונות/liel/וייז בקניון.pptx
@@ -114,6 +114,11 @@
       </a:defRPr>
     </a:lvl9pPr>
   </p:defaultTextStyle>
+  <p:extLst>
+    <p:ext uri="{EFAFB233-063F-42B5-8137-9DF3F51BA10A}">
+      <p15:sldGuideLst xmlns:p15="http://schemas.microsoft.com/office/powerpoint/2012/main"/>
+    </p:ext>
+  </p:extLst>
 </p:presentation>
 </file>
 
@@ -264,7 +269,7 @@
           <a:p>
             <a:fld id="{BE08200E-A348-43F5-A1A0-829C29C37303}" type="datetimeFigureOut">
               <a:rPr lang="he-IL" smtClean="0"/>
-              <a:t>כ'/חשון/תשפ"ב</a:t>
+              <a:t>י"ד/אדר א/תשפ"ב</a:t>
             </a:fld>
             <a:endParaRPr lang="he-IL"/>
           </a:p>
@@ -462,7 +467,7 @@
           <a:p>
             <a:fld id="{BE08200E-A348-43F5-A1A0-829C29C37303}" type="datetimeFigureOut">
               <a:rPr lang="he-IL" smtClean="0"/>
-              <a:t>כ'/חשון/תשפ"ב</a:t>
+              <a:t>י"ד/אדר א/תשפ"ב</a:t>
             </a:fld>
             <a:endParaRPr lang="he-IL"/>
           </a:p>
@@ -670,7 +675,7 @@
           <a:p>
             <a:fld id="{BE08200E-A348-43F5-A1A0-829C29C37303}" type="datetimeFigureOut">
               <a:rPr lang="he-IL" smtClean="0"/>
-              <a:t>כ'/חשון/תשפ"ב</a:t>
+              <a:t>י"ד/אדר א/תשפ"ב</a:t>
             </a:fld>
             <a:endParaRPr lang="he-IL"/>
           </a:p>
@@ -868,7 +873,7 @@
           <a:p>
             <a:fld id="{BE08200E-A348-43F5-A1A0-829C29C37303}" type="datetimeFigureOut">
               <a:rPr lang="he-IL" smtClean="0"/>
-              <a:t>כ'/חשון/תשפ"ב</a:t>
+              <a:t>י"ד/אדר א/תשפ"ב</a:t>
             </a:fld>
             <a:endParaRPr lang="he-IL"/>
           </a:p>
@@ -1143,7 +1148,7 @@
           <a:p>
             <a:fld id="{BE08200E-A348-43F5-A1A0-829C29C37303}" type="datetimeFigureOut">
               <a:rPr lang="he-IL" smtClean="0"/>
-              <a:t>כ'/חשון/תשפ"ב</a:t>
+              <a:t>י"ד/אדר א/תשפ"ב</a:t>
             </a:fld>
             <a:endParaRPr lang="he-IL"/>
           </a:p>
@@ -1408,7 +1413,7 @@
           <a:p>
             <a:fld id="{BE08200E-A348-43F5-A1A0-829C29C37303}" type="datetimeFigureOut">
               <a:rPr lang="he-IL" smtClean="0"/>
-              <a:t>כ'/חשון/תשפ"ב</a:t>
+              <a:t>י"ד/אדר א/תשפ"ב</a:t>
             </a:fld>
             <a:endParaRPr lang="he-IL"/>
           </a:p>
@@ -1820,7 +1825,7 @@
           <a:p>
             <a:fld id="{BE08200E-A348-43F5-A1A0-829C29C37303}" type="datetimeFigureOut">
               <a:rPr lang="he-IL" smtClean="0"/>
-              <a:t>כ'/חשון/תשפ"ב</a:t>
+              <a:t>י"ד/אדר א/תשפ"ב</a:t>
             </a:fld>
             <a:endParaRPr lang="he-IL"/>
           </a:p>
@@ -1961,7 +1966,7 @@
           <a:p>
             <a:fld id="{BE08200E-A348-43F5-A1A0-829C29C37303}" type="datetimeFigureOut">
               <a:rPr lang="he-IL" smtClean="0"/>
-              <a:t>כ'/חשון/תשפ"ב</a:t>
+              <a:t>י"ד/אדר א/תשפ"ב</a:t>
             </a:fld>
             <a:endParaRPr lang="he-IL"/>
           </a:p>
@@ -2074,7 +2079,7 @@
           <a:p>
             <a:fld id="{BE08200E-A348-43F5-A1A0-829C29C37303}" type="datetimeFigureOut">
               <a:rPr lang="he-IL" smtClean="0"/>
-              <a:t>כ'/חשון/תשפ"ב</a:t>
+              <a:t>י"ד/אדר א/תשפ"ב</a:t>
             </a:fld>
             <a:endParaRPr lang="he-IL"/>
           </a:p>
@@ -2385,7 +2390,7 @@
           <a:p>
             <a:fld id="{BE08200E-A348-43F5-A1A0-829C29C37303}" type="datetimeFigureOut">
               <a:rPr lang="he-IL" smtClean="0"/>
-              <a:t>כ'/חשון/תשפ"ב</a:t>
+              <a:t>י"ד/אדר א/תשפ"ב</a:t>
             </a:fld>
             <a:endParaRPr lang="he-IL"/>
           </a:p>
@@ -2673,7 +2678,7 @@
           <a:p>
             <a:fld id="{BE08200E-A348-43F5-A1A0-829C29C37303}" type="datetimeFigureOut">
               <a:rPr lang="he-IL" smtClean="0"/>
-              <a:t>כ'/חשון/תשפ"ב</a:t>
+              <a:t>י"ד/אדר א/תשפ"ב</a:t>
             </a:fld>
             <a:endParaRPr lang="he-IL"/>
           </a:p>
@@ -2914,7 +2919,7 @@
           <a:p>
             <a:fld id="{BE08200E-A348-43F5-A1A0-829C29C37303}" type="datetimeFigureOut">
               <a:rPr lang="he-IL" smtClean="0"/>
-              <a:t>כ'/חשון/תשפ"ב</a:t>
+              <a:t>י"ד/אדר א/תשפ"ב</a:t>
             </a:fld>
             <a:endParaRPr lang="he-IL"/>
           </a:p>
@@ -9370,7 +9375,7 @@
         </p:nvSpPr>
         <p:spPr>
           <a:xfrm>
-            <a:off x="2955636" y="1010658"/>
+            <a:off x="2836366" y="953652"/>
             <a:ext cx="6280727" cy="4165600"/>
           </a:xfrm>
           <a:prstGeom prst="roundRect">
